--- a/K8S-0413.pptx
+++ b/K8S-0413.pptx
@@ -24,11 +24,18 @@
     <p:sldId id="272" r:id="rId18"/>
     <p:sldId id="273" r:id="rId19"/>
     <p:sldId id="274" r:id="rId20"/>
+    <p:sldId id="276" r:id="rId21"/>
+    <p:sldId id="277" r:id="rId22"/>
+    <p:sldId id="278" r:id="rId23"/>
+    <p:sldId id="279" r:id="rId24"/>
+    <p:sldId id="280" r:id="rId25"/>
+    <p:sldId id="281" r:id="rId26"/>
+    <p:sldId id="282" r:id="rId27"/>
   </p:sldIdLst>
   <p:sldSz cx="12192000" cy="6858000"/>
   <p:notesSz cx="6858000" cy="9144000"/>
   <p:custDataLst>
-    <p:tags r:id="rId21"/>
+    <p:tags r:id="rId28"/>
   </p:custDataLst>
   <p:defaultTextStyle>
     <a:defPPr>
@@ -292,7 +299,7 @@
           <a:p>
             <a:fld id="{760FBDFE-C587-4B4C-A407-44438C67B59E}" type="datetimeFigureOut">
               <a:rPr lang="zh-CN" altLang="en-US" smtClean="0"/>
-              <a:t>2023/4/13</a:t>
+              <a:t>2023/5/31</a:t>
             </a:fld>
             <a:endParaRPr lang="zh-CN" altLang="en-US"/>
           </a:p>
@@ -391,7 +398,7 @@
           <a:p>
             <a:fld id="{760FBDFE-C587-4B4C-A407-44438C67B59E}" type="datetimeFigureOut">
               <a:rPr lang="zh-CN" altLang="en-US" smtClean="0"/>
-              <a:t>2023/4/13</a:t>
+              <a:t>2023/5/31</a:t>
             </a:fld>
             <a:endParaRPr lang="zh-CN" altLang="en-US"/>
           </a:p>
@@ -549,7 +556,7 @@
           <a:p>
             <a:fld id="{760FBDFE-C587-4B4C-A407-44438C67B59E}" type="datetimeFigureOut">
               <a:rPr lang="zh-CN" altLang="en-US" smtClean="0"/>
-              <a:t>2023/4/13</a:t>
+              <a:t>2023/5/31</a:t>
             </a:fld>
             <a:endParaRPr lang="zh-CN" altLang="en-US"/>
           </a:p>
@@ -820,7 +827,7 @@
           <a:p>
             <a:fld id="{760FBDFE-C587-4B4C-A407-44438C67B59E}" type="datetimeFigureOut">
               <a:rPr lang="zh-CN" altLang="en-US" smtClean="0"/>
-              <a:t>2023/4/13</a:t>
+              <a:t>2023/5/31</a:t>
             </a:fld>
             <a:endParaRPr lang="zh-CN" altLang="en-US"/>
           </a:p>
@@ -1080,7 +1087,7 @@
           <a:p>
             <a:fld id="{760FBDFE-C587-4B4C-A407-44438C67B59E}" type="datetimeFigureOut">
               <a:rPr lang="zh-CN" altLang="en-US" smtClean="0"/>
-              <a:t>2023/4/13</a:t>
+              <a:t>2023/5/31</a:t>
             </a:fld>
             <a:endParaRPr lang="zh-CN" altLang="en-US"/>
           </a:p>
@@ -1334,7 +1341,7 @@
           <a:p>
             <a:fld id="{760FBDFE-C587-4B4C-A407-44438C67B59E}" type="datetimeFigureOut">
               <a:rPr lang="zh-CN" altLang="en-US" smtClean="0"/>
-              <a:t>2023/4/13</a:t>
+              <a:t>2023/5/31</a:t>
             </a:fld>
             <a:endParaRPr lang="zh-CN" altLang="en-US"/>
           </a:p>
@@ -1748,7 +1755,7 @@
           <a:p>
             <a:fld id="{760FBDFE-C587-4B4C-A407-44438C67B59E}" type="datetimeFigureOut">
               <a:rPr lang="zh-CN" altLang="en-US" smtClean="0"/>
-              <a:t>2023/4/13</a:t>
+              <a:t>2023/5/31</a:t>
             </a:fld>
             <a:endParaRPr lang="zh-CN" altLang="en-US"/>
           </a:p>
@@ -1880,7 +1887,7 @@
           <a:p>
             <a:fld id="{760FBDFE-C587-4B4C-A407-44438C67B59E}" type="datetimeFigureOut">
               <a:rPr lang="zh-CN" altLang="en-US" smtClean="0"/>
-              <a:t>2023/4/13</a:t>
+              <a:t>2023/5/31</a:t>
             </a:fld>
             <a:endParaRPr lang="zh-CN" altLang="en-US"/>
           </a:p>
@@ -1979,7 +1986,7 @@
           <a:p>
             <a:fld id="{760FBDFE-C587-4B4C-A407-44438C67B59E}" type="datetimeFigureOut">
               <a:rPr lang="zh-CN" altLang="en-US" smtClean="0"/>
-              <a:t>2023/4/13</a:t>
+              <a:t>2023/5/31</a:t>
             </a:fld>
             <a:endParaRPr lang="zh-CN" altLang="en-US"/>
           </a:p>
@@ -2151,7 +2158,7 @@
           <a:p>
             <a:fld id="{9EFD9D74-47D9-4702-A33C-335B63B48DBF}" type="datetimeFigureOut">
               <a:rPr lang="zh-CN" altLang="en-US" smtClean="0"/>
-              <a:t>2023/4/13</a:t>
+              <a:t>2023/5/31</a:t>
             </a:fld>
             <a:endParaRPr lang="zh-CN" altLang="en-US" dirty="0"/>
           </a:p>
@@ -2391,7 +2398,7 @@
           <a:p>
             <a:fld id="{760FBDFE-C587-4B4C-A407-44438C67B59E}" type="datetimeFigureOut">
               <a:rPr lang="zh-CN" altLang="en-US" smtClean="0"/>
-              <a:t>2023/4/13</a:t>
+              <a:t>2023/5/31</a:t>
             </a:fld>
             <a:endParaRPr lang="zh-CN" altLang="en-US"/>
           </a:p>
@@ -2617,7 +2624,7 @@
           <a:p>
             <a:fld id="{760FBDFE-C587-4B4C-A407-44438C67B59E}" type="datetimeFigureOut">
               <a:rPr lang="zh-CN" altLang="en-US" smtClean="0"/>
-              <a:t>2023/4/13</a:t>
+              <a:t>2023/5/31</a:t>
             </a:fld>
             <a:endParaRPr lang="zh-CN" altLang="en-US"/>
           </a:p>
@@ -6088,6 +6095,1043 @@
 </p:sld>
 </file>
 
+<file path=ppt/slides/slide20.xml><?xml version="1.0" encoding="utf-8"?>
+<p:sld xmlns:a="http://schemas.openxmlformats.org/drawingml/2006/main" xmlns:r="http://schemas.openxmlformats.org/officeDocument/2006/relationships" xmlns:p="http://schemas.openxmlformats.org/presentationml/2006/main">
+  <p:cSld>
+    <p:spTree>
+      <p:nvGrpSpPr>
+        <p:cNvPr id="1" name=""/>
+        <p:cNvGrpSpPr/>
+        <p:nvPr/>
+      </p:nvGrpSpPr>
+      <p:grpSpPr>
+        <a:xfrm>
+          <a:off x="0" y="0"/>
+          <a:ext cx="0" cy="0"/>
+          <a:chOff x="0" y="0"/>
+          <a:chExt cx="0" cy="0"/>
+        </a:xfrm>
+      </p:grpSpPr>
+      <p:sp>
+        <p:nvSpPr>
+          <p:cNvPr id="2" name="标题 1">
+            <a:extLst>
+              <a:ext uri="{FF2B5EF4-FFF2-40B4-BE49-F238E27FC236}">
+                <a16:creationId xmlns:a16="http://schemas.microsoft.com/office/drawing/2014/main" id="{D1B102EE-0CCE-CF4C-A7B2-2EED3C6D2322}"/>
+              </a:ext>
+            </a:extLst>
+          </p:cNvPr>
+          <p:cNvSpPr>
+            <a:spLocks noGrp="1"/>
+          </p:cNvSpPr>
+          <p:nvPr>
+            <p:ph type="title"/>
+          </p:nvPr>
+        </p:nvSpPr>
+        <p:spPr/>
+        <p:txBody>
+          <a:bodyPr>
+            <a:normAutofit/>
+          </a:bodyPr>
+          <a:lstStyle/>
+          <a:p>
+            <a:r>
+              <a:rPr lang="en-US" altLang="zh-CN" b="0" i="0" dirty="0">
+                <a:solidFill>
+                  <a:srgbClr val="3771E3"/>
+                </a:solidFill>
+                <a:effectLst/>
+                <a:latin typeface="open sans" panose="020B0606030504020204" pitchFamily="34" charset="0"/>
+              </a:rPr>
+              <a:t>Pod </a:t>
+            </a:r>
+            <a:r>
+              <a:rPr lang="zh-CN" altLang="en-US" b="0" i="0" dirty="0">
+                <a:solidFill>
+                  <a:srgbClr val="3771E3"/>
+                </a:solidFill>
+                <a:effectLst/>
+                <a:latin typeface="open sans" panose="020B0606030504020204" pitchFamily="34" charset="0"/>
+              </a:rPr>
+              <a:t>概览</a:t>
+            </a:r>
+            <a:endParaRPr lang="zh-CN" altLang="en-US" dirty="0"/>
+          </a:p>
+        </p:txBody>
+      </p:sp>
+      <p:sp>
+        <p:nvSpPr>
+          <p:cNvPr id="4" name="AutoShape 2">
+            <a:extLst>
+              <a:ext uri="{FF2B5EF4-FFF2-40B4-BE49-F238E27FC236}">
+                <a16:creationId xmlns:a16="http://schemas.microsoft.com/office/drawing/2014/main" id="{9CC22FFD-2DAC-B63B-F6C1-32C3FDDEBE64}"/>
+              </a:ext>
+            </a:extLst>
+          </p:cNvPr>
+          <p:cNvSpPr>
+            <a:spLocks noGrp="1" noChangeAspect="1" noChangeArrowheads="1"/>
+          </p:cNvSpPr>
+          <p:nvPr>
+            <p:ph idx="1"/>
+          </p:nvPr>
+        </p:nvSpPr>
+        <p:spPr bwMode="auto">
+          <a:xfrm>
+            <a:off x="608400" y="1314000"/>
+            <a:ext cx="10969200" cy="2049985"/>
+          </a:xfrm>
+          <a:prstGeom prst="rect">
+            <a:avLst/>
+          </a:prstGeom>
+          <a:noFill/>
+          <a:extLst>
+            <a:ext uri="{909E8E84-426E-40DD-AFC4-6F175D3DCCD1}">
+              <a14:hiddenFill xmlns:a14="http://schemas.microsoft.com/office/drawing/2010/main">
+                <a:solidFill>
+                  <a:srgbClr val="FFFFFF"/>
+                </a:solidFill>
+              </a14:hiddenFill>
+            </a:ext>
+          </a:extLst>
+        </p:spPr>
+        <p:txBody>
+          <a:bodyPr vert="horz" wrap="square" lIns="91440" tIns="45720" rIns="91440" bIns="45720" numCol="1" anchor="t" anchorCtr="0" compatLnSpc="1">
+            <a:prstTxWarp prst="textNoShape">
+              <a:avLst/>
+            </a:prstTxWarp>
+          </a:bodyPr>
+          <a:lstStyle/>
+          <a:p>
+            <a:r>
+              <a:rPr lang="zh-CN" altLang="en-US" dirty="0"/>
+              <a:t>一个 </a:t>
+            </a:r>
+            <a:r>
+              <a:rPr lang="en-US" altLang="zh-CN" dirty="0"/>
+              <a:t>pod </a:t>
+            </a:r>
+            <a:r>
+              <a:rPr lang="zh-CN" altLang="en-US" dirty="0"/>
+              <a:t>总是运行在 工作节点</a:t>
+            </a:r>
+          </a:p>
+        </p:txBody>
+      </p:sp>
+      <p:pic>
+        <p:nvPicPr>
+          <p:cNvPr id="6" name="图片 5">
+            <a:extLst>
+              <a:ext uri="{FF2B5EF4-FFF2-40B4-BE49-F238E27FC236}">
+                <a16:creationId xmlns:a16="http://schemas.microsoft.com/office/drawing/2014/main" id="{60A87632-F57A-A5B9-C518-AE39FE76DF14}"/>
+              </a:ext>
+            </a:extLst>
+          </p:cNvPr>
+          <p:cNvPicPr>
+            <a:picLocks noChangeAspect="1"/>
+          </p:cNvPicPr>
+          <p:nvPr/>
+        </p:nvPicPr>
+        <p:blipFill>
+          <a:blip r:embed="rId2"/>
+          <a:stretch>
+            <a:fillRect/>
+          </a:stretch>
+        </p:blipFill>
+        <p:spPr>
+          <a:xfrm>
+            <a:off x="2105636" y="3692954"/>
+            <a:ext cx="5461234" cy="2465994"/>
+          </a:xfrm>
+          <a:prstGeom prst="rect">
+            <a:avLst/>
+          </a:prstGeom>
+        </p:spPr>
+      </p:pic>
+    </p:spTree>
+    <p:extLst>
+      <p:ext uri="{BB962C8B-B14F-4D97-AF65-F5344CB8AC3E}">
+        <p14:creationId xmlns:p14="http://schemas.microsoft.com/office/powerpoint/2010/main" val="4237743704"/>
+      </p:ext>
+    </p:extLst>
+  </p:cSld>
+  <p:clrMapOvr>
+    <a:masterClrMapping/>
+  </p:clrMapOvr>
+</p:sld>
+</file>
+
+<file path=ppt/slides/slide21.xml><?xml version="1.0" encoding="utf-8"?>
+<p:sld xmlns:a="http://schemas.openxmlformats.org/drawingml/2006/main" xmlns:r="http://schemas.openxmlformats.org/officeDocument/2006/relationships" xmlns:p="http://schemas.openxmlformats.org/presentationml/2006/main">
+  <p:cSld>
+    <p:spTree>
+      <p:nvGrpSpPr>
+        <p:cNvPr id="1" name=""/>
+        <p:cNvGrpSpPr/>
+        <p:nvPr/>
+      </p:nvGrpSpPr>
+      <p:grpSpPr>
+        <a:xfrm>
+          <a:off x="0" y="0"/>
+          <a:ext cx="0" cy="0"/>
+          <a:chOff x="0" y="0"/>
+          <a:chExt cx="0" cy="0"/>
+        </a:xfrm>
+      </p:grpSpPr>
+      <p:sp>
+        <p:nvSpPr>
+          <p:cNvPr id="2" name="标题 1">
+            <a:extLst>
+              <a:ext uri="{FF2B5EF4-FFF2-40B4-BE49-F238E27FC236}">
+                <a16:creationId xmlns:a16="http://schemas.microsoft.com/office/drawing/2014/main" id="{F90FB97F-D0C9-FE3B-2478-0D666B2CC156}"/>
+              </a:ext>
+            </a:extLst>
+          </p:cNvPr>
+          <p:cNvSpPr>
+            <a:spLocks noGrp="1"/>
+          </p:cNvSpPr>
+          <p:nvPr>
+            <p:ph type="title"/>
+          </p:nvPr>
+        </p:nvSpPr>
+        <p:spPr/>
+        <p:txBody>
+          <a:bodyPr>
+            <a:normAutofit/>
+          </a:bodyPr>
+          <a:lstStyle/>
+          <a:p>
+            <a:r>
+              <a:rPr lang="en-US" altLang="zh-CN" b="1" i="0" dirty="0">
+                <a:solidFill>
+                  <a:srgbClr val="222222"/>
+                </a:solidFill>
+                <a:effectLst/>
+                <a:latin typeface="open sans" panose="020B0606030504020204" pitchFamily="34" charset="0"/>
+              </a:rPr>
+              <a:t>Service </a:t>
+            </a:r>
+            <a:endParaRPr lang="zh-CN" altLang="en-US" dirty="0"/>
+          </a:p>
+        </p:txBody>
+      </p:sp>
+      <p:sp>
+        <p:nvSpPr>
+          <p:cNvPr id="3" name="内容占位符 2">
+            <a:extLst>
+              <a:ext uri="{FF2B5EF4-FFF2-40B4-BE49-F238E27FC236}">
+                <a16:creationId xmlns:a16="http://schemas.microsoft.com/office/drawing/2014/main" id="{4069D089-149E-74E5-47B3-72177F73D5A2}"/>
+              </a:ext>
+            </a:extLst>
+          </p:cNvPr>
+          <p:cNvSpPr>
+            <a:spLocks noGrp="1"/>
+          </p:cNvSpPr>
+          <p:nvPr>
+            <p:ph idx="1"/>
+          </p:nvPr>
+        </p:nvSpPr>
+        <p:spPr/>
+        <p:txBody>
+          <a:bodyPr/>
+          <a:lstStyle/>
+          <a:p>
+            <a:endParaRPr lang="zh-CN" altLang="en-US"/>
+          </a:p>
+        </p:txBody>
+      </p:sp>
+    </p:spTree>
+    <p:extLst>
+      <p:ext uri="{BB962C8B-B14F-4D97-AF65-F5344CB8AC3E}">
+        <p14:creationId xmlns:p14="http://schemas.microsoft.com/office/powerpoint/2010/main" val="1620689934"/>
+      </p:ext>
+    </p:extLst>
+  </p:cSld>
+  <p:clrMapOvr>
+    <a:masterClrMapping/>
+  </p:clrMapOvr>
+</p:sld>
+</file>
+
+<file path=ppt/slides/slide22.xml><?xml version="1.0" encoding="utf-8"?>
+<p:sld xmlns:a="http://schemas.openxmlformats.org/drawingml/2006/main" xmlns:r="http://schemas.openxmlformats.org/officeDocument/2006/relationships" xmlns:p="http://schemas.openxmlformats.org/presentationml/2006/main">
+  <p:cSld>
+    <p:spTree>
+      <p:nvGrpSpPr>
+        <p:cNvPr id="1" name=""/>
+        <p:cNvGrpSpPr/>
+        <p:nvPr/>
+      </p:nvGrpSpPr>
+      <p:grpSpPr>
+        <a:xfrm>
+          <a:off x="0" y="0"/>
+          <a:ext cx="0" cy="0"/>
+          <a:chOff x="0" y="0"/>
+          <a:chExt cx="0" cy="0"/>
+        </a:xfrm>
+      </p:grpSpPr>
+      <p:sp>
+        <p:nvSpPr>
+          <p:cNvPr id="2" name="标题 1">
+            <a:extLst>
+              <a:ext uri="{FF2B5EF4-FFF2-40B4-BE49-F238E27FC236}">
+                <a16:creationId xmlns:a16="http://schemas.microsoft.com/office/drawing/2014/main" id="{C22F820C-E405-C2E8-652F-E33E8FA6813A}"/>
+              </a:ext>
+            </a:extLst>
+          </p:cNvPr>
+          <p:cNvSpPr>
+            <a:spLocks noGrp="1"/>
+          </p:cNvSpPr>
+          <p:nvPr>
+            <p:ph type="title"/>
+          </p:nvPr>
+        </p:nvSpPr>
+        <p:spPr/>
+        <p:txBody>
+          <a:bodyPr>
+            <a:normAutofit/>
+          </a:bodyPr>
+          <a:lstStyle/>
+          <a:p>
+            <a:r>
+              <a:rPr lang="zh-CN" altLang="en-US" b="1" i="0" dirty="0">
+                <a:solidFill>
+                  <a:srgbClr val="222222"/>
+                </a:solidFill>
+                <a:effectLst/>
+                <a:latin typeface="open sans" panose="020B0606030504020204" pitchFamily="34" charset="0"/>
+              </a:rPr>
+              <a:t>执行滚动更新</a:t>
+            </a:r>
+            <a:endParaRPr lang="zh-CN" altLang="en-US" dirty="0"/>
+          </a:p>
+        </p:txBody>
+      </p:sp>
+      <p:sp>
+        <p:nvSpPr>
+          <p:cNvPr id="3" name="内容占位符 2">
+            <a:extLst>
+              <a:ext uri="{FF2B5EF4-FFF2-40B4-BE49-F238E27FC236}">
+                <a16:creationId xmlns:a16="http://schemas.microsoft.com/office/drawing/2014/main" id="{2D07F0CC-3344-DCF7-9674-1F7B17460B0D}"/>
+              </a:ext>
+            </a:extLst>
+          </p:cNvPr>
+          <p:cNvSpPr>
+            <a:spLocks noGrp="1"/>
+          </p:cNvSpPr>
+          <p:nvPr>
+            <p:ph idx="1"/>
+          </p:nvPr>
+        </p:nvSpPr>
+        <p:spPr/>
+        <p:txBody>
+          <a:bodyPr/>
+          <a:lstStyle/>
+          <a:p>
+            <a:endParaRPr lang="zh-CN" altLang="en-US"/>
+          </a:p>
+        </p:txBody>
+      </p:sp>
+    </p:spTree>
+    <p:extLst>
+      <p:ext uri="{BB962C8B-B14F-4D97-AF65-F5344CB8AC3E}">
+        <p14:creationId xmlns:p14="http://schemas.microsoft.com/office/powerpoint/2010/main" val="3116383296"/>
+      </p:ext>
+    </p:extLst>
+  </p:cSld>
+  <p:clrMapOvr>
+    <a:masterClrMapping/>
+  </p:clrMapOvr>
+</p:sld>
+</file>
+
+<file path=ppt/slides/slide23.xml><?xml version="1.0" encoding="utf-8"?>
+<p:sld xmlns:a="http://schemas.openxmlformats.org/drawingml/2006/main" xmlns:r="http://schemas.openxmlformats.org/officeDocument/2006/relationships" xmlns:p="http://schemas.openxmlformats.org/presentationml/2006/main">
+  <p:cSld>
+    <p:spTree>
+      <p:nvGrpSpPr>
+        <p:cNvPr id="1" name=""/>
+        <p:cNvGrpSpPr/>
+        <p:nvPr/>
+      </p:nvGrpSpPr>
+      <p:grpSpPr>
+        <a:xfrm>
+          <a:off x="0" y="0"/>
+          <a:ext cx="0" cy="0"/>
+          <a:chOff x="0" y="0"/>
+          <a:chExt cx="0" cy="0"/>
+        </a:xfrm>
+      </p:grpSpPr>
+      <p:sp>
+        <p:nvSpPr>
+          <p:cNvPr id="2" name="标题 1">
+            <a:extLst>
+              <a:ext uri="{FF2B5EF4-FFF2-40B4-BE49-F238E27FC236}">
+                <a16:creationId xmlns:a16="http://schemas.microsoft.com/office/drawing/2014/main" id="{4C62ACA4-D9B1-2A48-19C7-49CBFF4F659E}"/>
+              </a:ext>
+            </a:extLst>
+          </p:cNvPr>
+          <p:cNvSpPr>
+            <a:spLocks noGrp="1"/>
+          </p:cNvSpPr>
+          <p:nvPr>
+            <p:ph type="title"/>
+          </p:nvPr>
+        </p:nvSpPr>
+        <p:spPr/>
+        <p:txBody>
+          <a:bodyPr>
+            <a:normAutofit/>
+          </a:bodyPr>
+          <a:lstStyle/>
+          <a:p>
+            <a:r>
+              <a:rPr lang="en-US" altLang="zh-CN" b="1" i="0" dirty="0">
+                <a:solidFill>
+                  <a:srgbClr val="222222"/>
+                </a:solidFill>
+                <a:effectLst/>
+                <a:latin typeface="open sans" panose="020B0606030504020204" pitchFamily="34" charset="0"/>
+              </a:rPr>
+              <a:t>ConfigMap</a:t>
+            </a:r>
+            <a:endParaRPr lang="zh-CN" altLang="en-US" dirty="0"/>
+          </a:p>
+        </p:txBody>
+      </p:sp>
+      <p:sp>
+        <p:nvSpPr>
+          <p:cNvPr id="3" name="内容占位符 2">
+            <a:extLst>
+              <a:ext uri="{FF2B5EF4-FFF2-40B4-BE49-F238E27FC236}">
+                <a16:creationId xmlns:a16="http://schemas.microsoft.com/office/drawing/2014/main" id="{A86AC4E4-A22C-CF15-29C1-C573A41F89BC}"/>
+              </a:ext>
+            </a:extLst>
+          </p:cNvPr>
+          <p:cNvSpPr>
+            <a:spLocks noGrp="1"/>
+          </p:cNvSpPr>
+          <p:nvPr>
+            <p:ph idx="1"/>
+          </p:nvPr>
+        </p:nvSpPr>
+        <p:spPr/>
+        <p:txBody>
+          <a:bodyPr/>
+          <a:lstStyle/>
+          <a:p>
+            <a:r>
+              <a:rPr lang="zh-CN" altLang="en-US" dirty="0"/>
+              <a:t>很多应用在其初始化或运行期间要依赖一些配置信息。 大多数时候，存在要调整配置参数所设置的数值的需求。 </a:t>
+            </a:r>
+            <a:r>
+              <a:rPr lang="en-US" altLang="zh-CN" dirty="0">
+                <a:solidFill>
+                  <a:srgbClr val="FF0000"/>
+                </a:solidFill>
+                <a:highlight>
+                  <a:srgbClr val="FFFF00"/>
+                </a:highlight>
+              </a:rPr>
+              <a:t>ConfigMap </a:t>
+            </a:r>
+            <a:r>
+              <a:rPr lang="zh-CN" altLang="en-US" dirty="0">
+                <a:solidFill>
+                  <a:srgbClr val="FF0000"/>
+                </a:solidFill>
+                <a:highlight>
+                  <a:srgbClr val="FFFF00"/>
+                </a:highlight>
+              </a:rPr>
+              <a:t>可让你将配置数据注入到应用的 </a:t>
+            </a:r>
+            <a:r>
+              <a:rPr lang="en-US" altLang="zh-CN" dirty="0">
+                <a:solidFill>
+                  <a:srgbClr val="FF0000"/>
+                </a:solidFill>
+                <a:highlight>
+                  <a:srgbClr val="FFFF00"/>
+                </a:highlight>
+              </a:rPr>
+              <a:t>Pod </a:t>
+            </a:r>
+            <a:r>
+              <a:rPr lang="zh-CN" altLang="en-US" dirty="0">
+                <a:solidFill>
+                  <a:srgbClr val="FF0000"/>
+                </a:solidFill>
+                <a:highlight>
+                  <a:srgbClr val="FFFF00"/>
+                </a:highlight>
+              </a:rPr>
+              <a:t>内部 </a:t>
+            </a:r>
+            <a:endParaRPr lang="en-US" altLang="zh-CN" dirty="0">
+              <a:solidFill>
+                <a:srgbClr val="FF0000"/>
+              </a:solidFill>
+              <a:highlight>
+                <a:srgbClr val="FFFF00"/>
+              </a:highlight>
+            </a:endParaRPr>
+          </a:p>
+          <a:p>
+            <a:r>
+              <a:rPr lang="en-US" altLang="zh-CN" b="0" i="0" dirty="0">
+                <a:solidFill>
+                  <a:srgbClr val="222222"/>
+                </a:solidFill>
+                <a:effectLst/>
+                <a:latin typeface="open sans" panose="020B0606030504020204" pitchFamily="34" charset="0"/>
+              </a:rPr>
+              <a:t>ConfigMap </a:t>
+            </a:r>
+            <a:r>
+              <a:rPr lang="zh-CN" altLang="en-US" b="0" i="0" dirty="0">
+                <a:solidFill>
+                  <a:srgbClr val="222222"/>
+                </a:solidFill>
+                <a:effectLst/>
+                <a:latin typeface="open sans" panose="020B0606030504020204" pitchFamily="34" charset="0"/>
+              </a:rPr>
+              <a:t>概念允许你将</a:t>
+            </a:r>
+            <a:r>
+              <a:rPr lang="zh-CN" altLang="en-US" b="0" i="0" dirty="0">
+                <a:solidFill>
+                  <a:srgbClr val="FF0000"/>
+                </a:solidFill>
+                <a:effectLst/>
+                <a:highlight>
+                  <a:srgbClr val="FFFF00"/>
+                </a:highlight>
+                <a:latin typeface="open sans" panose="020B0606030504020204" pitchFamily="34" charset="0"/>
+              </a:rPr>
+              <a:t>配置清单与镜像内容</a:t>
+            </a:r>
+            <a:r>
+              <a:rPr lang="zh-CN" altLang="en-US" b="0" i="0" dirty="0">
+                <a:solidFill>
+                  <a:srgbClr val="222222"/>
+                </a:solidFill>
+                <a:effectLst/>
+                <a:latin typeface="open sans" panose="020B0606030504020204" pitchFamily="34" charset="0"/>
+              </a:rPr>
+              <a:t>分离，以保持容器化的应用程序的可移植性。</a:t>
+            </a:r>
+            <a:endParaRPr lang="en-US" altLang="zh-CN" b="0" i="0" dirty="0">
+              <a:solidFill>
+                <a:srgbClr val="222222"/>
+              </a:solidFill>
+              <a:effectLst/>
+              <a:latin typeface="open sans" panose="020B0606030504020204" pitchFamily="34" charset="0"/>
+            </a:endParaRPr>
+          </a:p>
+          <a:p>
+            <a:r>
+              <a:rPr lang="en-US" altLang="zh-CN" b="0" i="0" dirty="0">
+                <a:solidFill>
+                  <a:srgbClr val="222222"/>
+                </a:solidFill>
+                <a:effectLst/>
+                <a:latin typeface="open sans" panose="020B0606030504020204" pitchFamily="34" charset="0"/>
+              </a:rPr>
+              <a:t> ConfigMap </a:t>
+            </a:r>
+            <a:r>
+              <a:rPr lang="zh-CN" altLang="en-US" b="0" i="0" dirty="0">
+                <a:solidFill>
+                  <a:srgbClr val="222222"/>
+                </a:solidFill>
+                <a:effectLst/>
+                <a:latin typeface="open sans" panose="020B0606030504020204" pitchFamily="34" charset="0"/>
+              </a:rPr>
+              <a:t>中保存的数据不可超过 </a:t>
+            </a:r>
+            <a:r>
+              <a:rPr lang="en-US" altLang="zh-CN" b="0" i="0" dirty="0">
+                <a:solidFill>
+                  <a:srgbClr val="222222"/>
+                </a:solidFill>
+                <a:effectLst/>
+                <a:latin typeface="open sans" panose="020B0606030504020204" pitchFamily="34" charset="0"/>
+              </a:rPr>
+              <a:t>1 MiB</a:t>
+            </a:r>
+            <a:endParaRPr lang="zh-CN" altLang="en-US" dirty="0">
+              <a:solidFill>
+                <a:srgbClr val="FF0000"/>
+              </a:solidFill>
+              <a:highlight>
+                <a:srgbClr val="FFFF00"/>
+              </a:highlight>
+            </a:endParaRPr>
+          </a:p>
+        </p:txBody>
+      </p:sp>
+      <p:pic>
+        <p:nvPicPr>
+          <p:cNvPr id="6" name="图片 5">
+            <a:extLst>
+              <a:ext uri="{FF2B5EF4-FFF2-40B4-BE49-F238E27FC236}">
+                <a16:creationId xmlns:a16="http://schemas.microsoft.com/office/drawing/2014/main" id="{0E919A5E-917D-885B-E483-DE5EFFF64143}"/>
+              </a:ext>
+            </a:extLst>
+          </p:cNvPr>
+          <p:cNvPicPr>
+            <a:picLocks noChangeAspect="1"/>
+          </p:cNvPicPr>
+          <p:nvPr/>
+        </p:nvPicPr>
+        <p:blipFill>
+          <a:blip r:embed="rId2"/>
+          <a:stretch>
+            <a:fillRect/>
+          </a:stretch>
+        </p:blipFill>
+        <p:spPr>
+          <a:xfrm>
+            <a:off x="608400" y="3429000"/>
+            <a:ext cx="5057286" cy="2820600"/>
+          </a:xfrm>
+          <a:prstGeom prst="rect">
+            <a:avLst/>
+          </a:prstGeom>
+        </p:spPr>
+      </p:pic>
+    </p:spTree>
+    <p:extLst>
+      <p:ext uri="{BB962C8B-B14F-4D97-AF65-F5344CB8AC3E}">
+        <p14:creationId xmlns:p14="http://schemas.microsoft.com/office/powerpoint/2010/main" val="1987918867"/>
+      </p:ext>
+    </p:extLst>
+  </p:cSld>
+  <p:clrMapOvr>
+    <a:masterClrMapping/>
+  </p:clrMapOvr>
+</p:sld>
+</file>
+
+<file path=ppt/slides/slide24.xml><?xml version="1.0" encoding="utf-8"?>
+<p:sld xmlns:a="http://schemas.openxmlformats.org/drawingml/2006/main" xmlns:r="http://schemas.openxmlformats.org/officeDocument/2006/relationships" xmlns:p="http://schemas.openxmlformats.org/presentationml/2006/main">
+  <p:cSld>
+    <p:spTree>
+      <p:nvGrpSpPr>
+        <p:cNvPr id="1" name=""/>
+        <p:cNvGrpSpPr/>
+        <p:nvPr/>
+      </p:nvGrpSpPr>
+      <p:grpSpPr>
+        <a:xfrm>
+          <a:off x="0" y="0"/>
+          <a:ext cx="0" cy="0"/>
+          <a:chOff x="0" y="0"/>
+          <a:chExt cx="0" cy="0"/>
+        </a:xfrm>
+      </p:grpSpPr>
+      <p:sp>
+        <p:nvSpPr>
+          <p:cNvPr id="2" name="标题 1">
+            <a:extLst>
+              <a:ext uri="{FF2B5EF4-FFF2-40B4-BE49-F238E27FC236}">
+                <a16:creationId xmlns:a16="http://schemas.microsoft.com/office/drawing/2014/main" id="{636276CD-E5C4-E5E1-0EF7-18368B1A23F8}"/>
+              </a:ext>
+            </a:extLst>
+          </p:cNvPr>
+          <p:cNvSpPr>
+            <a:spLocks noGrp="1"/>
+          </p:cNvSpPr>
+          <p:nvPr>
+            <p:ph type="title"/>
+          </p:nvPr>
+        </p:nvSpPr>
+        <p:spPr/>
+        <p:txBody>
+          <a:bodyPr/>
+          <a:lstStyle/>
+          <a:p>
+            <a:endParaRPr lang="zh-CN" altLang="en-US"/>
+          </a:p>
+        </p:txBody>
+      </p:sp>
+      <p:sp>
+        <p:nvSpPr>
+          <p:cNvPr id="3" name="内容占位符 2">
+            <a:extLst>
+              <a:ext uri="{FF2B5EF4-FFF2-40B4-BE49-F238E27FC236}">
+                <a16:creationId xmlns:a16="http://schemas.microsoft.com/office/drawing/2014/main" id="{1A9584BF-F554-E0A2-7A6F-FA27F17DCED0}"/>
+              </a:ext>
+            </a:extLst>
+          </p:cNvPr>
+          <p:cNvSpPr>
+            <a:spLocks noGrp="1"/>
+          </p:cNvSpPr>
+          <p:nvPr>
+            <p:ph idx="1"/>
+          </p:nvPr>
+        </p:nvSpPr>
+        <p:spPr/>
+        <p:txBody>
+          <a:bodyPr/>
+          <a:lstStyle/>
+          <a:p>
+            <a:r>
+              <a:rPr lang="en-US" altLang="zh-CN" b="0" i="0" dirty="0">
+                <a:solidFill>
+                  <a:srgbClr val="222222"/>
+                </a:solidFill>
+                <a:effectLst/>
+                <a:latin typeface="open sans" panose="020B0606030504020204" pitchFamily="34" charset="0"/>
+              </a:rPr>
+              <a:t> ConfigMap </a:t>
+            </a:r>
+            <a:r>
+              <a:rPr lang="zh-CN" altLang="en-US" b="0" i="0" dirty="0">
+                <a:solidFill>
+                  <a:srgbClr val="222222"/>
+                </a:solidFill>
+                <a:effectLst/>
+                <a:latin typeface="open sans" panose="020B0606030504020204" pitchFamily="34" charset="0"/>
+              </a:rPr>
+              <a:t>配置 的四种</a:t>
+            </a:r>
+            <a:r>
+              <a:rPr lang="zh-CN" altLang="en-US" dirty="0">
+                <a:solidFill>
+                  <a:srgbClr val="222222"/>
+                </a:solidFill>
+                <a:latin typeface="open sans" panose="020B0606030504020204" pitchFamily="34" charset="0"/>
+              </a:rPr>
+              <a:t>使用</a:t>
+            </a:r>
+            <a:r>
+              <a:rPr lang="zh-CN" altLang="en-US" b="0" i="0" dirty="0">
+                <a:solidFill>
+                  <a:srgbClr val="222222"/>
+                </a:solidFill>
+                <a:effectLst/>
+                <a:latin typeface="open sans" panose="020B0606030504020204" pitchFamily="34" charset="0"/>
+              </a:rPr>
+              <a:t>方式</a:t>
+            </a:r>
+            <a:endParaRPr lang="en-US" altLang="zh-CN" b="0" i="0" dirty="0">
+              <a:solidFill>
+                <a:srgbClr val="222222"/>
+              </a:solidFill>
+              <a:effectLst/>
+              <a:latin typeface="open sans" panose="020B0606030504020204" pitchFamily="34" charset="0"/>
+            </a:endParaRPr>
+          </a:p>
+          <a:p>
+            <a:pPr lvl="1"/>
+            <a:r>
+              <a:rPr lang="zh-CN" altLang="en-US" b="0" i="0" dirty="0">
+                <a:solidFill>
+                  <a:srgbClr val="222222"/>
+                </a:solidFill>
+                <a:effectLst/>
+                <a:latin typeface="open sans" panose="020B0606030504020204" pitchFamily="34" charset="0"/>
+              </a:rPr>
+              <a:t>在容器命令和参数内</a:t>
+            </a:r>
+          </a:p>
+          <a:p>
+            <a:pPr lvl="1"/>
+            <a:r>
+              <a:rPr lang="zh-CN" altLang="en-US" b="0" i="0" dirty="0">
+                <a:solidFill>
+                  <a:srgbClr val="222222"/>
+                </a:solidFill>
+                <a:effectLst/>
+                <a:latin typeface="open sans" panose="020B0606030504020204" pitchFamily="34" charset="0"/>
+              </a:rPr>
+              <a:t>容器的环境变量 ： </a:t>
+            </a:r>
+            <a:r>
+              <a:rPr lang="en-US" altLang="zh-CN" b="0" i="0" dirty="0">
+                <a:solidFill>
+                  <a:srgbClr val="222222"/>
+                </a:solidFill>
+                <a:effectLst/>
+                <a:latin typeface="open sans" panose="020B0606030504020204" pitchFamily="34" charset="0"/>
+              </a:rPr>
+              <a:t>next page</a:t>
+            </a:r>
+            <a:endParaRPr lang="zh-CN" altLang="en-US" b="0" i="0" dirty="0">
+              <a:solidFill>
+                <a:srgbClr val="222222"/>
+              </a:solidFill>
+              <a:effectLst/>
+              <a:latin typeface="open sans" panose="020B0606030504020204" pitchFamily="34" charset="0"/>
+            </a:endParaRPr>
+          </a:p>
+          <a:p>
+            <a:pPr lvl="1"/>
+            <a:r>
+              <a:rPr lang="zh-CN" altLang="en-US" b="0" i="0" dirty="0">
+                <a:solidFill>
+                  <a:srgbClr val="222222"/>
+                </a:solidFill>
+                <a:effectLst/>
+                <a:latin typeface="open sans" panose="020B0606030504020204" pitchFamily="34" charset="0"/>
+              </a:rPr>
+              <a:t>在只读卷里面添加一个文件，让应用来读取</a:t>
+            </a:r>
+          </a:p>
+          <a:p>
+            <a:pPr lvl="1"/>
+            <a:r>
+              <a:rPr lang="zh-CN" altLang="en-US" b="0" i="0" dirty="0">
+                <a:solidFill>
+                  <a:srgbClr val="222222"/>
+                </a:solidFill>
+                <a:effectLst/>
+                <a:latin typeface="open sans" panose="020B0606030504020204" pitchFamily="34" charset="0"/>
+              </a:rPr>
+              <a:t>使用 </a:t>
+            </a:r>
+            <a:r>
+              <a:rPr lang="en-US" altLang="zh-CN" b="0" i="0" dirty="0">
+                <a:solidFill>
+                  <a:srgbClr val="222222"/>
+                </a:solidFill>
+                <a:effectLst/>
+                <a:latin typeface="open sans" panose="020B0606030504020204" pitchFamily="34" charset="0"/>
+              </a:rPr>
+              <a:t>Kubernetes API </a:t>
+            </a:r>
+            <a:r>
+              <a:rPr lang="zh-CN" altLang="en-US" b="0" i="0" dirty="0">
+                <a:solidFill>
+                  <a:srgbClr val="222222"/>
+                </a:solidFill>
+                <a:effectLst/>
+                <a:latin typeface="open sans" panose="020B0606030504020204" pitchFamily="34" charset="0"/>
+              </a:rPr>
+              <a:t>来读取 </a:t>
+            </a:r>
+            <a:r>
+              <a:rPr lang="en-US" altLang="zh-CN" b="0" i="0" dirty="0">
+                <a:solidFill>
+                  <a:srgbClr val="222222"/>
+                </a:solidFill>
+                <a:effectLst/>
+                <a:latin typeface="open sans" panose="020B0606030504020204" pitchFamily="34" charset="0"/>
+              </a:rPr>
+              <a:t>ConfigMap</a:t>
+            </a:r>
+            <a:endParaRPr lang="zh-CN" altLang="en-US" dirty="0"/>
+          </a:p>
+        </p:txBody>
+      </p:sp>
+    </p:spTree>
+    <p:extLst>
+      <p:ext uri="{BB962C8B-B14F-4D97-AF65-F5344CB8AC3E}">
+        <p14:creationId xmlns:p14="http://schemas.microsoft.com/office/powerpoint/2010/main" val="3717819946"/>
+      </p:ext>
+    </p:extLst>
+  </p:cSld>
+  <p:clrMapOvr>
+    <a:masterClrMapping/>
+  </p:clrMapOvr>
+</p:sld>
+</file>
+
+<file path=ppt/slides/slide25.xml><?xml version="1.0" encoding="utf-8"?>
+<p:sld xmlns:a="http://schemas.openxmlformats.org/drawingml/2006/main" xmlns:r="http://schemas.openxmlformats.org/officeDocument/2006/relationships" xmlns:p="http://schemas.openxmlformats.org/presentationml/2006/main">
+  <p:cSld>
+    <p:spTree>
+      <p:nvGrpSpPr>
+        <p:cNvPr id="1" name=""/>
+        <p:cNvGrpSpPr/>
+        <p:nvPr/>
+      </p:nvGrpSpPr>
+      <p:grpSpPr>
+        <a:xfrm>
+          <a:off x="0" y="0"/>
+          <a:ext cx="0" cy="0"/>
+          <a:chOff x="0" y="0"/>
+          <a:chExt cx="0" cy="0"/>
+        </a:xfrm>
+      </p:grpSpPr>
+      <p:pic>
+        <p:nvPicPr>
+          <p:cNvPr id="8" name="图片 7">
+            <a:extLst>
+              <a:ext uri="{FF2B5EF4-FFF2-40B4-BE49-F238E27FC236}">
+                <a16:creationId xmlns:a16="http://schemas.microsoft.com/office/drawing/2014/main" id="{32A6923A-AB32-A6A8-1DC2-116232108010}"/>
+              </a:ext>
+            </a:extLst>
+          </p:cNvPr>
+          <p:cNvPicPr>
+            <a:picLocks noChangeAspect="1"/>
+          </p:cNvPicPr>
+          <p:nvPr/>
+        </p:nvPicPr>
+        <p:blipFill>
+          <a:blip r:embed="rId2"/>
+          <a:stretch>
+            <a:fillRect/>
+          </a:stretch>
+        </p:blipFill>
+        <p:spPr>
+          <a:xfrm>
+            <a:off x="68160" y="947869"/>
+            <a:ext cx="7391400" cy="5734050"/>
+          </a:xfrm>
+          <a:prstGeom prst="rect">
+            <a:avLst/>
+          </a:prstGeom>
+        </p:spPr>
+      </p:pic>
+    </p:spTree>
+    <p:extLst>
+      <p:ext uri="{BB962C8B-B14F-4D97-AF65-F5344CB8AC3E}">
+        <p14:creationId xmlns:p14="http://schemas.microsoft.com/office/powerpoint/2010/main" val="2605758133"/>
+      </p:ext>
+    </p:extLst>
+  </p:cSld>
+  <p:clrMapOvr>
+    <a:masterClrMapping/>
+  </p:clrMapOvr>
+</p:sld>
+</file>
+
+<file path=ppt/slides/slide26.xml><?xml version="1.0" encoding="utf-8"?>
+<p:sld xmlns:a="http://schemas.openxmlformats.org/drawingml/2006/main" xmlns:r="http://schemas.openxmlformats.org/officeDocument/2006/relationships" xmlns:p="http://schemas.openxmlformats.org/presentationml/2006/main">
+  <p:cSld>
+    <p:spTree>
+      <p:nvGrpSpPr>
+        <p:cNvPr id="1" name=""/>
+        <p:cNvGrpSpPr/>
+        <p:nvPr/>
+      </p:nvGrpSpPr>
+      <p:grpSpPr>
+        <a:xfrm>
+          <a:off x="0" y="0"/>
+          <a:ext cx="0" cy="0"/>
+          <a:chOff x="0" y="0"/>
+          <a:chExt cx="0" cy="0"/>
+        </a:xfrm>
+      </p:grpSpPr>
+      <p:sp>
+        <p:nvSpPr>
+          <p:cNvPr id="2" name="标题 1">
+            <a:extLst>
+              <a:ext uri="{FF2B5EF4-FFF2-40B4-BE49-F238E27FC236}">
+                <a16:creationId xmlns:a16="http://schemas.microsoft.com/office/drawing/2014/main" id="{1123B959-074D-4A3B-9C9C-47F0259DD44C}"/>
+              </a:ext>
+            </a:extLst>
+          </p:cNvPr>
+          <p:cNvSpPr>
+            <a:spLocks noGrp="1"/>
+          </p:cNvSpPr>
+          <p:nvPr>
+            <p:ph type="title"/>
+          </p:nvPr>
+        </p:nvSpPr>
+        <p:spPr/>
+        <p:txBody>
+          <a:bodyPr/>
+          <a:lstStyle/>
+          <a:p>
+            <a:r>
+              <a:rPr lang="en-US" altLang="zh-CN" dirty="0"/>
+              <a:t>=============0531</a:t>
+            </a:r>
+            <a:endParaRPr lang="zh-CN" altLang="en-US" dirty="0"/>
+          </a:p>
+        </p:txBody>
+      </p:sp>
+      <p:sp>
+        <p:nvSpPr>
+          <p:cNvPr id="3" name="内容占位符 2">
+            <a:extLst>
+              <a:ext uri="{FF2B5EF4-FFF2-40B4-BE49-F238E27FC236}">
+                <a16:creationId xmlns:a16="http://schemas.microsoft.com/office/drawing/2014/main" id="{0006D594-D98C-0C0C-95DB-D2A65B1D4767}"/>
+              </a:ext>
+            </a:extLst>
+          </p:cNvPr>
+          <p:cNvSpPr>
+            <a:spLocks noGrp="1"/>
+          </p:cNvSpPr>
+          <p:nvPr>
+            <p:ph idx="1"/>
+          </p:nvPr>
+        </p:nvSpPr>
+        <p:spPr/>
+        <p:txBody>
+          <a:bodyPr/>
+          <a:lstStyle/>
+          <a:p>
+            <a:r>
+              <a:rPr lang="en-US" altLang="zh-CN" dirty="0"/>
+              <a:t>Deployment </a:t>
+            </a:r>
+            <a:r>
+              <a:rPr lang="zh-CN" altLang="en-US" dirty="0"/>
+              <a:t>这种控制器的设计原理，就是 “用一种对象管 理另一种对象”</a:t>
+            </a:r>
+            <a:endParaRPr lang="en-US" altLang="zh-CN" dirty="0"/>
+          </a:p>
+          <a:p>
+            <a:r>
+              <a:rPr lang="en-US" altLang="zh-CN" dirty="0"/>
+              <a:t>Deployment </a:t>
+            </a:r>
+            <a:r>
+              <a:rPr lang="zh-CN" altLang="en-US" dirty="0"/>
+              <a:t>看似简单，但实际上，它实现了 </a:t>
+            </a:r>
+            <a:r>
+              <a:rPr lang="en-US" altLang="zh-CN" dirty="0"/>
+              <a:t>Kubernetes </a:t>
+            </a:r>
+            <a:r>
+              <a:rPr lang="zh-CN" altLang="en-US" dirty="0"/>
+              <a:t>项目中一个非常重要的功能：</a:t>
+            </a:r>
+            <a:r>
+              <a:rPr lang="en-US" altLang="zh-CN" dirty="0"/>
+              <a:t>Pod </a:t>
+            </a:r>
+            <a:r>
+              <a:rPr lang="zh-CN" altLang="en-US" dirty="0"/>
+              <a:t>的“水平扩展 </a:t>
+            </a:r>
+            <a:r>
+              <a:rPr lang="en-US" altLang="zh-CN" dirty="0"/>
+              <a:t>/ </a:t>
+            </a:r>
+            <a:r>
+              <a:rPr lang="zh-CN" altLang="en-US" dirty="0"/>
+              <a:t>收缩”（</a:t>
+            </a:r>
+            <a:r>
+              <a:rPr lang="en-US" altLang="zh-CN" dirty="0"/>
+              <a:t>horizontal scaling out/in</a:t>
+            </a:r>
+            <a:r>
+              <a:rPr lang="zh-CN" altLang="en-US" dirty="0"/>
+              <a:t>）</a:t>
+            </a:r>
+          </a:p>
+        </p:txBody>
+      </p:sp>
+    </p:spTree>
+    <p:extLst>
+      <p:ext uri="{BB962C8B-B14F-4D97-AF65-F5344CB8AC3E}">
+        <p14:creationId xmlns:p14="http://schemas.microsoft.com/office/powerpoint/2010/main" val="4130372312"/>
+      </p:ext>
+    </p:extLst>
+  </p:cSld>
+  <p:clrMapOvr>
+    <a:masterClrMapping/>
+  </p:clrMapOvr>
+</p:sld>
+</file>
+
 <file path=ppt/slides/slide3.xml><?xml version="1.0" encoding="utf-8"?>
 <p:sld xmlns:a="http://schemas.openxmlformats.org/drawingml/2006/main" xmlns:r="http://schemas.openxmlformats.org/officeDocument/2006/relationships" xmlns:p="http://schemas.openxmlformats.org/presentationml/2006/main">
   <p:cSld>
@@ -8013,16 +9057,6 @@
               <a:t>或 </a:t>
             </a:r>
             <a:r>
-              <a:rPr lang="en-US" altLang="zh-CN" b="0" i="0" dirty="0" err="1">
-                <a:solidFill>
-                  <a:srgbClr val="222222"/>
-                </a:solidFill>
-                <a:effectLst/>
-                <a:latin typeface="open sans" panose="020B0606030504020204" pitchFamily="34" charset="0"/>
-              </a:rPr>
-              <a:t>ConfigMap</a:t>
-            </a:r>
-            <a:r>
               <a:rPr lang="en-US" altLang="zh-CN" b="0" i="0" dirty="0">
                 <a:solidFill>
                   <a:srgbClr val="222222"/>
@@ -8030,7 +9064,7 @@
                 <a:effectLst/>
                 <a:latin typeface="open sans" panose="020B0606030504020204" pitchFamily="34" charset="0"/>
               </a:rPr>
-              <a:t> </a:t>
+              <a:t>ConfigMap </a:t>
             </a:r>
             <a:r>
               <a:rPr lang="zh-CN" altLang="en-US" b="0" i="0" dirty="0">
